--- a/ppt 16-9/0967.神显作为.pptx
+++ b/ppt 16-9/0967.神显作为.pptx
@@ -5,7 +5,7 @@
     <p:sldMasterId id="2147483648" r:id="rId1"/>
   </p:sldMasterIdLst>
   <p:sldIdLst>
-    <p:sldId id="359" r:id="rId2"/>
+    <p:sldId id="361" r:id="rId2"/>
   </p:sldIdLst>
   <p:sldSz cx="12192000" cy="6858000"/>
   <p:notesSz cx="6858000" cy="9144000"/>
@@ -129,7 +129,7 @@
           <p:cNvPr id="2" name="标题 1">
             <a:extLst>
               <a:ext uri="{FF2B5EF4-FFF2-40B4-BE49-F238E27FC236}">
-                <a16:creationId xmlns:a16="http://schemas.microsoft.com/office/drawing/2014/main" id="{21CBFDDF-0D89-8755-1361-1E7C31AB4D11}"/>
+                <a16:creationId xmlns:a16="http://schemas.microsoft.com/office/drawing/2014/main" id="{8075F0B3-F4B3-AFD9-8B22-DE9308C8FE88}"/>
               </a:ext>
             </a:extLst>
           </p:cNvPr>
@@ -166,7 +166,7 @@
           <p:cNvPr id="3" name="副标题 2">
             <a:extLst>
               <a:ext uri="{FF2B5EF4-FFF2-40B4-BE49-F238E27FC236}">
-                <a16:creationId xmlns:a16="http://schemas.microsoft.com/office/drawing/2014/main" id="{4B98650E-3C65-E54F-D9BF-2EBB792F6AA7}"/>
+                <a16:creationId xmlns:a16="http://schemas.microsoft.com/office/drawing/2014/main" id="{F18A6348-3487-82EF-1596-801970E1986C}"/>
               </a:ext>
             </a:extLst>
           </p:cNvPr>
@@ -236,7 +236,7 @@
           <p:cNvPr id="4" name="日期占位符 3">
             <a:extLst>
               <a:ext uri="{FF2B5EF4-FFF2-40B4-BE49-F238E27FC236}">
-                <a16:creationId xmlns:a16="http://schemas.microsoft.com/office/drawing/2014/main" id="{BDCFC322-2C79-7D68-DFC1-693DF3AA14B5}"/>
+                <a16:creationId xmlns:a16="http://schemas.microsoft.com/office/drawing/2014/main" id="{38A99855-3AAF-A1A5-6890-ACD70ACA9E27}"/>
               </a:ext>
             </a:extLst>
           </p:cNvPr>
@@ -252,7 +252,7 @@
           <a:bodyPr/>
           <a:lstStyle/>
           <a:p>
-            <a:fld id="{939CA971-129B-4295-9CA4-13837B64B52B}" type="datetimeFigureOut">
+            <a:fld id="{C9AAB8DE-C2C9-4E76-8373-B919E7CF5B96}" type="datetimeFigureOut">
               <a:rPr lang="zh-CN" altLang="en-US" smtClean="0"/>
               <a:t>2024/3/10</a:t>
             </a:fld>
@@ -265,7 +265,7 @@
           <p:cNvPr id="5" name="页脚占位符 4">
             <a:extLst>
               <a:ext uri="{FF2B5EF4-FFF2-40B4-BE49-F238E27FC236}">
-                <a16:creationId xmlns:a16="http://schemas.microsoft.com/office/drawing/2014/main" id="{13EA235C-D1FE-CDBC-959D-3213369298E4}"/>
+                <a16:creationId xmlns:a16="http://schemas.microsoft.com/office/drawing/2014/main" id="{DABEF466-FD53-E114-C608-8C9D2DDA452A}"/>
               </a:ext>
             </a:extLst>
           </p:cNvPr>
@@ -290,7 +290,7 @@
           <p:cNvPr id="6" name="灯片编号占位符 5">
             <a:extLst>
               <a:ext uri="{FF2B5EF4-FFF2-40B4-BE49-F238E27FC236}">
-                <a16:creationId xmlns:a16="http://schemas.microsoft.com/office/drawing/2014/main" id="{2F13B3E2-CD0E-C1E3-0044-AD21664191E6}"/>
+                <a16:creationId xmlns:a16="http://schemas.microsoft.com/office/drawing/2014/main" id="{4DC92FA5-966C-CFD7-F1C8-C40F91819024}"/>
               </a:ext>
             </a:extLst>
           </p:cNvPr>
@@ -306,7 +306,7 @@
           <a:bodyPr/>
           <a:lstStyle/>
           <a:p>
-            <a:fld id="{AD5463C8-7F4F-4C6A-AF27-96171EC4D30A}" type="slidenum">
+            <a:fld id="{7A91C2C2-B1E9-40D4-A9A1-E84B2B3674B7}" type="slidenum">
               <a:rPr lang="zh-CN" altLang="en-US" smtClean="0"/>
               <a:t>‹#›</a:t>
             </a:fld>
@@ -317,7 +317,7 @@
     </p:spTree>
     <p:extLst>
       <p:ext uri="{BB962C8B-B14F-4D97-AF65-F5344CB8AC3E}">
-        <p14:creationId xmlns:p14="http://schemas.microsoft.com/office/powerpoint/2010/main" val="1633411293"/>
+        <p14:creationId xmlns:p14="http://schemas.microsoft.com/office/powerpoint/2010/main" val="1955030067"/>
       </p:ext>
     </p:extLst>
   </p:cSld>
@@ -349,7 +349,7 @@
           <p:cNvPr id="2" name="标题 1">
             <a:extLst>
               <a:ext uri="{FF2B5EF4-FFF2-40B4-BE49-F238E27FC236}">
-                <a16:creationId xmlns:a16="http://schemas.microsoft.com/office/drawing/2014/main" id="{28F6911E-9239-874B-6BA1-8515E204C940}"/>
+                <a16:creationId xmlns:a16="http://schemas.microsoft.com/office/drawing/2014/main" id="{A6CAF0B9-625E-4F6F-521B-E7ECD53B6A9F}"/>
               </a:ext>
             </a:extLst>
           </p:cNvPr>
@@ -377,7 +377,7 @@
           <p:cNvPr id="3" name="竖排文字占位符 2">
             <a:extLst>
               <a:ext uri="{FF2B5EF4-FFF2-40B4-BE49-F238E27FC236}">
-                <a16:creationId xmlns:a16="http://schemas.microsoft.com/office/drawing/2014/main" id="{30D20C80-8D3A-D5F5-6A43-AFDED335F6FB}"/>
+                <a16:creationId xmlns:a16="http://schemas.microsoft.com/office/drawing/2014/main" id="{8098125A-82A7-F1F1-262E-F97E82FC3C21}"/>
               </a:ext>
             </a:extLst>
           </p:cNvPr>
@@ -434,7 +434,7 @@
           <p:cNvPr id="4" name="日期占位符 3">
             <a:extLst>
               <a:ext uri="{FF2B5EF4-FFF2-40B4-BE49-F238E27FC236}">
-                <a16:creationId xmlns:a16="http://schemas.microsoft.com/office/drawing/2014/main" id="{AC952EAD-E5E3-BF6C-DD25-E4E43B9FE553}"/>
+                <a16:creationId xmlns:a16="http://schemas.microsoft.com/office/drawing/2014/main" id="{A41B5640-942C-EC71-45DC-B55B9DF7D020}"/>
               </a:ext>
             </a:extLst>
           </p:cNvPr>
@@ -450,7 +450,7 @@
           <a:bodyPr/>
           <a:lstStyle/>
           <a:p>
-            <a:fld id="{939CA971-129B-4295-9CA4-13837B64B52B}" type="datetimeFigureOut">
+            <a:fld id="{C9AAB8DE-C2C9-4E76-8373-B919E7CF5B96}" type="datetimeFigureOut">
               <a:rPr lang="zh-CN" altLang="en-US" smtClean="0"/>
               <a:t>2024/3/10</a:t>
             </a:fld>
@@ -463,7 +463,7 @@
           <p:cNvPr id="5" name="页脚占位符 4">
             <a:extLst>
               <a:ext uri="{FF2B5EF4-FFF2-40B4-BE49-F238E27FC236}">
-                <a16:creationId xmlns:a16="http://schemas.microsoft.com/office/drawing/2014/main" id="{5F5CD102-C20B-79D4-4785-46D7BFC387CC}"/>
+                <a16:creationId xmlns:a16="http://schemas.microsoft.com/office/drawing/2014/main" id="{83368BCB-AC0D-D942-4F43-64288B531569}"/>
               </a:ext>
             </a:extLst>
           </p:cNvPr>
@@ -488,7 +488,7 @@
           <p:cNvPr id="6" name="灯片编号占位符 5">
             <a:extLst>
               <a:ext uri="{FF2B5EF4-FFF2-40B4-BE49-F238E27FC236}">
-                <a16:creationId xmlns:a16="http://schemas.microsoft.com/office/drawing/2014/main" id="{6E1D9C8F-2F45-82D6-F4A0-F1E611D3DA11}"/>
+                <a16:creationId xmlns:a16="http://schemas.microsoft.com/office/drawing/2014/main" id="{F2B366E9-D599-0CE3-D1CE-663605A57233}"/>
               </a:ext>
             </a:extLst>
           </p:cNvPr>
@@ -504,7 +504,7 @@
           <a:bodyPr/>
           <a:lstStyle/>
           <a:p>
-            <a:fld id="{AD5463C8-7F4F-4C6A-AF27-96171EC4D30A}" type="slidenum">
+            <a:fld id="{7A91C2C2-B1E9-40D4-A9A1-E84B2B3674B7}" type="slidenum">
               <a:rPr lang="zh-CN" altLang="en-US" smtClean="0"/>
               <a:t>‹#›</a:t>
             </a:fld>
@@ -515,7 +515,7 @@
     </p:spTree>
     <p:extLst>
       <p:ext uri="{BB962C8B-B14F-4D97-AF65-F5344CB8AC3E}">
-        <p14:creationId xmlns:p14="http://schemas.microsoft.com/office/powerpoint/2010/main" val="1315205064"/>
+        <p14:creationId xmlns:p14="http://schemas.microsoft.com/office/powerpoint/2010/main" val="2450130380"/>
       </p:ext>
     </p:extLst>
   </p:cSld>
@@ -547,7 +547,7 @@
           <p:cNvPr id="2" name="竖排标题 1">
             <a:extLst>
               <a:ext uri="{FF2B5EF4-FFF2-40B4-BE49-F238E27FC236}">
-                <a16:creationId xmlns:a16="http://schemas.microsoft.com/office/drawing/2014/main" id="{4D653AC8-27A1-7772-7AE2-A1900931F4B3}"/>
+                <a16:creationId xmlns:a16="http://schemas.microsoft.com/office/drawing/2014/main" id="{F7390AE6-0F47-EA3F-DA43-98626846BF75}"/>
               </a:ext>
             </a:extLst>
           </p:cNvPr>
@@ -580,7 +580,7 @@
           <p:cNvPr id="3" name="竖排文字占位符 2">
             <a:extLst>
               <a:ext uri="{FF2B5EF4-FFF2-40B4-BE49-F238E27FC236}">
-                <a16:creationId xmlns:a16="http://schemas.microsoft.com/office/drawing/2014/main" id="{6939823C-F947-E4A8-D68B-469AF361134B}"/>
+                <a16:creationId xmlns:a16="http://schemas.microsoft.com/office/drawing/2014/main" id="{69791C89-FFD1-3381-9067-2B04624E75AB}"/>
               </a:ext>
             </a:extLst>
           </p:cNvPr>
@@ -642,7 +642,7 @@
           <p:cNvPr id="4" name="日期占位符 3">
             <a:extLst>
               <a:ext uri="{FF2B5EF4-FFF2-40B4-BE49-F238E27FC236}">
-                <a16:creationId xmlns:a16="http://schemas.microsoft.com/office/drawing/2014/main" id="{83405502-40E7-5FC5-87FD-1125ACB3EFD2}"/>
+                <a16:creationId xmlns:a16="http://schemas.microsoft.com/office/drawing/2014/main" id="{53A250A9-149C-5EF0-CD7E-0F053560438D}"/>
               </a:ext>
             </a:extLst>
           </p:cNvPr>
@@ -658,7 +658,7 @@
           <a:bodyPr/>
           <a:lstStyle/>
           <a:p>
-            <a:fld id="{939CA971-129B-4295-9CA4-13837B64B52B}" type="datetimeFigureOut">
+            <a:fld id="{C9AAB8DE-C2C9-4E76-8373-B919E7CF5B96}" type="datetimeFigureOut">
               <a:rPr lang="zh-CN" altLang="en-US" smtClean="0"/>
               <a:t>2024/3/10</a:t>
             </a:fld>
@@ -671,7 +671,7 @@
           <p:cNvPr id="5" name="页脚占位符 4">
             <a:extLst>
               <a:ext uri="{FF2B5EF4-FFF2-40B4-BE49-F238E27FC236}">
-                <a16:creationId xmlns:a16="http://schemas.microsoft.com/office/drawing/2014/main" id="{E3537885-A76C-9207-2E90-ACEE610AF35D}"/>
+                <a16:creationId xmlns:a16="http://schemas.microsoft.com/office/drawing/2014/main" id="{AB9FBA84-8F93-28D9-9AE1-56643B3B083A}"/>
               </a:ext>
             </a:extLst>
           </p:cNvPr>
@@ -696,7 +696,7 @@
           <p:cNvPr id="6" name="灯片编号占位符 5">
             <a:extLst>
               <a:ext uri="{FF2B5EF4-FFF2-40B4-BE49-F238E27FC236}">
-                <a16:creationId xmlns:a16="http://schemas.microsoft.com/office/drawing/2014/main" id="{289F1D73-DA19-3BCB-DC10-E2FADE48860A}"/>
+                <a16:creationId xmlns:a16="http://schemas.microsoft.com/office/drawing/2014/main" id="{3DB30CA1-2AE5-5047-EC46-1228A5037ED5}"/>
               </a:ext>
             </a:extLst>
           </p:cNvPr>
@@ -712,7 +712,7 @@
           <a:bodyPr/>
           <a:lstStyle/>
           <a:p>
-            <a:fld id="{AD5463C8-7F4F-4C6A-AF27-96171EC4D30A}" type="slidenum">
+            <a:fld id="{7A91C2C2-B1E9-40D4-A9A1-E84B2B3674B7}" type="slidenum">
               <a:rPr lang="zh-CN" altLang="en-US" smtClean="0"/>
               <a:t>‹#›</a:t>
             </a:fld>
@@ -723,7 +723,7 @@
     </p:spTree>
     <p:extLst>
       <p:ext uri="{BB962C8B-B14F-4D97-AF65-F5344CB8AC3E}">
-        <p14:creationId xmlns:p14="http://schemas.microsoft.com/office/powerpoint/2010/main" val="806842033"/>
+        <p14:creationId xmlns:p14="http://schemas.microsoft.com/office/powerpoint/2010/main" val="1758745164"/>
       </p:ext>
     </p:extLst>
   </p:cSld>
@@ -755,7 +755,7 @@
           <p:cNvPr id="2" name="标题 1">
             <a:extLst>
               <a:ext uri="{FF2B5EF4-FFF2-40B4-BE49-F238E27FC236}">
-                <a16:creationId xmlns:a16="http://schemas.microsoft.com/office/drawing/2014/main" id="{ED25CC1E-D9D2-A19C-F430-2A471D0355F9}"/>
+                <a16:creationId xmlns:a16="http://schemas.microsoft.com/office/drawing/2014/main" id="{9590E538-8E1F-4A9A-DA0B-C28ECB685971}"/>
               </a:ext>
             </a:extLst>
           </p:cNvPr>
@@ -783,7 +783,7 @@
           <p:cNvPr id="3" name="内容占位符 2">
             <a:extLst>
               <a:ext uri="{FF2B5EF4-FFF2-40B4-BE49-F238E27FC236}">
-                <a16:creationId xmlns:a16="http://schemas.microsoft.com/office/drawing/2014/main" id="{D6DBFC50-E5B8-2435-86AF-EDE40768F99A}"/>
+                <a16:creationId xmlns:a16="http://schemas.microsoft.com/office/drawing/2014/main" id="{3D0CA8B3-C7C5-E40D-F239-722AE2433743}"/>
               </a:ext>
             </a:extLst>
           </p:cNvPr>
@@ -840,7 +840,7 @@
           <p:cNvPr id="4" name="日期占位符 3">
             <a:extLst>
               <a:ext uri="{FF2B5EF4-FFF2-40B4-BE49-F238E27FC236}">
-                <a16:creationId xmlns:a16="http://schemas.microsoft.com/office/drawing/2014/main" id="{3258A3DA-0E16-AAE5-0899-EBE9F08C93D2}"/>
+                <a16:creationId xmlns:a16="http://schemas.microsoft.com/office/drawing/2014/main" id="{5ED27B30-1EF2-9E49-2D8F-4ACD49D81AF2}"/>
               </a:ext>
             </a:extLst>
           </p:cNvPr>
@@ -856,7 +856,7 @@
           <a:bodyPr/>
           <a:lstStyle/>
           <a:p>
-            <a:fld id="{939CA971-129B-4295-9CA4-13837B64B52B}" type="datetimeFigureOut">
+            <a:fld id="{C9AAB8DE-C2C9-4E76-8373-B919E7CF5B96}" type="datetimeFigureOut">
               <a:rPr lang="zh-CN" altLang="en-US" smtClean="0"/>
               <a:t>2024/3/10</a:t>
             </a:fld>
@@ -869,7 +869,7 @@
           <p:cNvPr id="5" name="页脚占位符 4">
             <a:extLst>
               <a:ext uri="{FF2B5EF4-FFF2-40B4-BE49-F238E27FC236}">
-                <a16:creationId xmlns:a16="http://schemas.microsoft.com/office/drawing/2014/main" id="{DFB84BC5-D880-105C-297F-4D52DCAD0BA9}"/>
+                <a16:creationId xmlns:a16="http://schemas.microsoft.com/office/drawing/2014/main" id="{8773BD35-2563-6C94-A012-99E6B1B4A639}"/>
               </a:ext>
             </a:extLst>
           </p:cNvPr>
@@ -894,7 +894,7 @@
           <p:cNvPr id="6" name="灯片编号占位符 5">
             <a:extLst>
               <a:ext uri="{FF2B5EF4-FFF2-40B4-BE49-F238E27FC236}">
-                <a16:creationId xmlns:a16="http://schemas.microsoft.com/office/drawing/2014/main" id="{A7D1F275-83C6-AFC7-8888-02DF95270D26}"/>
+                <a16:creationId xmlns:a16="http://schemas.microsoft.com/office/drawing/2014/main" id="{B5211D26-2E94-83F3-C606-9F419398F628}"/>
               </a:ext>
             </a:extLst>
           </p:cNvPr>
@@ -910,7 +910,7 @@
           <a:bodyPr/>
           <a:lstStyle/>
           <a:p>
-            <a:fld id="{AD5463C8-7F4F-4C6A-AF27-96171EC4D30A}" type="slidenum">
+            <a:fld id="{7A91C2C2-B1E9-40D4-A9A1-E84B2B3674B7}" type="slidenum">
               <a:rPr lang="zh-CN" altLang="en-US" smtClean="0"/>
               <a:t>‹#›</a:t>
             </a:fld>
@@ -921,7 +921,7 @@
     </p:spTree>
     <p:extLst>
       <p:ext uri="{BB962C8B-B14F-4D97-AF65-F5344CB8AC3E}">
-        <p14:creationId xmlns:p14="http://schemas.microsoft.com/office/powerpoint/2010/main" val="302017173"/>
+        <p14:creationId xmlns:p14="http://schemas.microsoft.com/office/powerpoint/2010/main" val="4281897292"/>
       </p:ext>
     </p:extLst>
   </p:cSld>
@@ -953,7 +953,7 @@
           <p:cNvPr id="2" name="标题 1">
             <a:extLst>
               <a:ext uri="{FF2B5EF4-FFF2-40B4-BE49-F238E27FC236}">
-                <a16:creationId xmlns:a16="http://schemas.microsoft.com/office/drawing/2014/main" id="{418D3774-95D0-4D58-A8E5-04F226C02A82}"/>
+                <a16:creationId xmlns:a16="http://schemas.microsoft.com/office/drawing/2014/main" id="{16748394-8185-8A7C-48DE-BE8A9F76C170}"/>
               </a:ext>
             </a:extLst>
           </p:cNvPr>
@@ -990,7 +990,7 @@
           <p:cNvPr id="3" name="文本占位符 2">
             <a:extLst>
               <a:ext uri="{FF2B5EF4-FFF2-40B4-BE49-F238E27FC236}">
-                <a16:creationId xmlns:a16="http://schemas.microsoft.com/office/drawing/2014/main" id="{0D4D4E92-2165-E233-52BC-2410F8A05AF9}"/>
+                <a16:creationId xmlns:a16="http://schemas.microsoft.com/office/drawing/2014/main" id="{988F712B-BA9E-A6AF-BDDD-32A64E4D826C}"/>
               </a:ext>
             </a:extLst>
           </p:cNvPr>
@@ -1115,7 +1115,7 @@
           <p:cNvPr id="4" name="日期占位符 3">
             <a:extLst>
               <a:ext uri="{FF2B5EF4-FFF2-40B4-BE49-F238E27FC236}">
-                <a16:creationId xmlns:a16="http://schemas.microsoft.com/office/drawing/2014/main" id="{623F3CC8-0F13-632B-EF7A-4F909E750430}"/>
+                <a16:creationId xmlns:a16="http://schemas.microsoft.com/office/drawing/2014/main" id="{78471FEA-1802-D4CA-3C50-1C54D7B49F14}"/>
               </a:ext>
             </a:extLst>
           </p:cNvPr>
@@ -1131,7 +1131,7 @@
           <a:bodyPr/>
           <a:lstStyle/>
           <a:p>
-            <a:fld id="{939CA971-129B-4295-9CA4-13837B64B52B}" type="datetimeFigureOut">
+            <a:fld id="{C9AAB8DE-C2C9-4E76-8373-B919E7CF5B96}" type="datetimeFigureOut">
               <a:rPr lang="zh-CN" altLang="en-US" smtClean="0"/>
               <a:t>2024/3/10</a:t>
             </a:fld>
@@ -1144,7 +1144,7 @@
           <p:cNvPr id="5" name="页脚占位符 4">
             <a:extLst>
               <a:ext uri="{FF2B5EF4-FFF2-40B4-BE49-F238E27FC236}">
-                <a16:creationId xmlns:a16="http://schemas.microsoft.com/office/drawing/2014/main" id="{F69CB687-831F-B39E-2528-169D6529BB13}"/>
+                <a16:creationId xmlns:a16="http://schemas.microsoft.com/office/drawing/2014/main" id="{BD1B6FBF-7E39-E961-DB48-1F92159D3EA3}"/>
               </a:ext>
             </a:extLst>
           </p:cNvPr>
@@ -1169,7 +1169,7 @@
           <p:cNvPr id="6" name="灯片编号占位符 5">
             <a:extLst>
               <a:ext uri="{FF2B5EF4-FFF2-40B4-BE49-F238E27FC236}">
-                <a16:creationId xmlns:a16="http://schemas.microsoft.com/office/drawing/2014/main" id="{00C13054-592F-7348-4C8D-EF1E793A8D32}"/>
+                <a16:creationId xmlns:a16="http://schemas.microsoft.com/office/drawing/2014/main" id="{D9BD0D1C-CD0F-4A7A-DD8A-2FC6B98D0F14}"/>
               </a:ext>
             </a:extLst>
           </p:cNvPr>
@@ -1185,7 +1185,7 @@
           <a:bodyPr/>
           <a:lstStyle/>
           <a:p>
-            <a:fld id="{AD5463C8-7F4F-4C6A-AF27-96171EC4D30A}" type="slidenum">
+            <a:fld id="{7A91C2C2-B1E9-40D4-A9A1-E84B2B3674B7}" type="slidenum">
               <a:rPr lang="zh-CN" altLang="en-US" smtClean="0"/>
               <a:t>‹#›</a:t>
             </a:fld>
@@ -1196,7 +1196,7 @@
     </p:spTree>
     <p:extLst>
       <p:ext uri="{BB962C8B-B14F-4D97-AF65-F5344CB8AC3E}">
-        <p14:creationId xmlns:p14="http://schemas.microsoft.com/office/powerpoint/2010/main" val="2585934141"/>
+        <p14:creationId xmlns:p14="http://schemas.microsoft.com/office/powerpoint/2010/main" val="2180741381"/>
       </p:ext>
     </p:extLst>
   </p:cSld>
@@ -1228,7 +1228,7 @@
           <p:cNvPr id="2" name="标题 1">
             <a:extLst>
               <a:ext uri="{FF2B5EF4-FFF2-40B4-BE49-F238E27FC236}">
-                <a16:creationId xmlns:a16="http://schemas.microsoft.com/office/drawing/2014/main" id="{AC5D6C07-45E6-8D07-18F2-64970C5345F7}"/>
+                <a16:creationId xmlns:a16="http://schemas.microsoft.com/office/drawing/2014/main" id="{788BFC81-73A8-C858-F713-53A7DB19C999}"/>
               </a:ext>
             </a:extLst>
           </p:cNvPr>
@@ -1256,7 +1256,7 @@
           <p:cNvPr id="3" name="内容占位符 2">
             <a:extLst>
               <a:ext uri="{FF2B5EF4-FFF2-40B4-BE49-F238E27FC236}">
-                <a16:creationId xmlns:a16="http://schemas.microsoft.com/office/drawing/2014/main" id="{C6098108-60E0-76FE-44AB-4936DCE9D5A3}"/>
+                <a16:creationId xmlns:a16="http://schemas.microsoft.com/office/drawing/2014/main" id="{816A6E43-C860-ED0F-D294-4D82FC8547F5}"/>
               </a:ext>
             </a:extLst>
           </p:cNvPr>
@@ -1318,7 +1318,7 @@
           <p:cNvPr id="4" name="内容占位符 3">
             <a:extLst>
               <a:ext uri="{FF2B5EF4-FFF2-40B4-BE49-F238E27FC236}">
-                <a16:creationId xmlns:a16="http://schemas.microsoft.com/office/drawing/2014/main" id="{55BDBC6E-77CE-36B2-3D2D-F7FD785DB3BD}"/>
+                <a16:creationId xmlns:a16="http://schemas.microsoft.com/office/drawing/2014/main" id="{0E61F4C5-1014-4CDF-F530-B86ACB7E2C07}"/>
               </a:ext>
             </a:extLst>
           </p:cNvPr>
@@ -1380,7 +1380,7 @@
           <p:cNvPr id="5" name="日期占位符 4">
             <a:extLst>
               <a:ext uri="{FF2B5EF4-FFF2-40B4-BE49-F238E27FC236}">
-                <a16:creationId xmlns:a16="http://schemas.microsoft.com/office/drawing/2014/main" id="{CE622E75-83E7-8FB4-DEDF-F3DBF46DD4D7}"/>
+                <a16:creationId xmlns:a16="http://schemas.microsoft.com/office/drawing/2014/main" id="{293149A4-FC15-075B-C33B-60E742208264}"/>
               </a:ext>
             </a:extLst>
           </p:cNvPr>
@@ -1396,7 +1396,7 @@
           <a:bodyPr/>
           <a:lstStyle/>
           <a:p>
-            <a:fld id="{939CA971-129B-4295-9CA4-13837B64B52B}" type="datetimeFigureOut">
+            <a:fld id="{C9AAB8DE-C2C9-4E76-8373-B919E7CF5B96}" type="datetimeFigureOut">
               <a:rPr lang="zh-CN" altLang="en-US" smtClean="0"/>
               <a:t>2024/3/10</a:t>
             </a:fld>
@@ -1409,7 +1409,7 @@
           <p:cNvPr id="6" name="页脚占位符 5">
             <a:extLst>
               <a:ext uri="{FF2B5EF4-FFF2-40B4-BE49-F238E27FC236}">
-                <a16:creationId xmlns:a16="http://schemas.microsoft.com/office/drawing/2014/main" id="{DF4123E0-18AC-EF46-FB4B-4BF29B97F988}"/>
+                <a16:creationId xmlns:a16="http://schemas.microsoft.com/office/drawing/2014/main" id="{C5BEBB03-5A09-740E-9B05-FDFB13221425}"/>
               </a:ext>
             </a:extLst>
           </p:cNvPr>
@@ -1434,7 +1434,7 @@
           <p:cNvPr id="7" name="灯片编号占位符 6">
             <a:extLst>
               <a:ext uri="{FF2B5EF4-FFF2-40B4-BE49-F238E27FC236}">
-                <a16:creationId xmlns:a16="http://schemas.microsoft.com/office/drawing/2014/main" id="{6E271200-110D-2137-4BFF-1C805F0C98FD}"/>
+                <a16:creationId xmlns:a16="http://schemas.microsoft.com/office/drawing/2014/main" id="{B6EA872B-4E1A-7719-2E1D-57B220E11F30}"/>
               </a:ext>
             </a:extLst>
           </p:cNvPr>
@@ -1450,7 +1450,7 @@
           <a:bodyPr/>
           <a:lstStyle/>
           <a:p>
-            <a:fld id="{AD5463C8-7F4F-4C6A-AF27-96171EC4D30A}" type="slidenum">
+            <a:fld id="{7A91C2C2-B1E9-40D4-A9A1-E84B2B3674B7}" type="slidenum">
               <a:rPr lang="zh-CN" altLang="en-US" smtClean="0"/>
               <a:t>‹#›</a:t>
             </a:fld>
@@ -1461,7 +1461,7 @@
     </p:spTree>
     <p:extLst>
       <p:ext uri="{BB962C8B-B14F-4D97-AF65-F5344CB8AC3E}">
-        <p14:creationId xmlns:p14="http://schemas.microsoft.com/office/powerpoint/2010/main" val="3291753670"/>
+        <p14:creationId xmlns:p14="http://schemas.microsoft.com/office/powerpoint/2010/main" val="3908346633"/>
       </p:ext>
     </p:extLst>
   </p:cSld>
@@ -1493,7 +1493,7 @@
           <p:cNvPr id="2" name="标题 1">
             <a:extLst>
               <a:ext uri="{FF2B5EF4-FFF2-40B4-BE49-F238E27FC236}">
-                <a16:creationId xmlns:a16="http://schemas.microsoft.com/office/drawing/2014/main" id="{E4DE0530-4760-D68B-72DA-DCBD39EF7700}"/>
+                <a16:creationId xmlns:a16="http://schemas.microsoft.com/office/drawing/2014/main" id="{BCAB3ED6-7865-53BD-03F0-DD958F265498}"/>
               </a:ext>
             </a:extLst>
           </p:cNvPr>
@@ -1526,7 +1526,7 @@
           <p:cNvPr id="3" name="文本占位符 2">
             <a:extLst>
               <a:ext uri="{FF2B5EF4-FFF2-40B4-BE49-F238E27FC236}">
-                <a16:creationId xmlns:a16="http://schemas.microsoft.com/office/drawing/2014/main" id="{5700D89E-DE91-B221-88AD-83027218AE40}"/>
+                <a16:creationId xmlns:a16="http://schemas.microsoft.com/office/drawing/2014/main" id="{0EFA7C86-57D3-52F8-D94C-FFB176C3EAD5}"/>
               </a:ext>
             </a:extLst>
           </p:cNvPr>
@@ -1597,7 +1597,7 @@
           <p:cNvPr id="4" name="内容占位符 3">
             <a:extLst>
               <a:ext uri="{FF2B5EF4-FFF2-40B4-BE49-F238E27FC236}">
-                <a16:creationId xmlns:a16="http://schemas.microsoft.com/office/drawing/2014/main" id="{6F9EEA48-87EC-DF6F-9F40-07546592BAEE}"/>
+                <a16:creationId xmlns:a16="http://schemas.microsoft.com/office/drawing/2014/main" id="{4C244366-D03A-D865-A18E-2E576F16F1F5}"/>
               </a:ext>
             </a:extLst>
           </p:cNvPr>
@@ -1659,7 +1659,7 @@
           <p:cNvPr id="5" name="文本占位符 4">
             <a:extLst>
               <a:ext uri="{FF2B5EF4-FFF2-40B4-BE49-F238E27FC236}">
-                <a16:creationId xmlns:a16="http://schemas.microsoft.com/office/drawing/2014/main" id="{4CAACCA4-9D5A-FDC5-324F-ECD8642DF9C8}"/>
+                <a16:creationId xmlns:a16="http://schemas.microsoft.com/office/drawing/2014/main" id="{455FC897-C2AB-275E-6438-5E82811A726B}"/>
               </a:ext>
             </a:extLst>
           </p:cNvPr>
@@ -1730,7 +1730,7 @@
           <p:cNvPr id="6" name="内容占位符 5">
             <a:extLst>
               <a:ext uri="{FF2B5EF4-FFF2-40B4-BE49-F238E27FC236}">
-                <a16:creationId xmlns:a16="http://schemas.microsoft.com/office/drawing/2014/main" id="{0A97EDE8-D95E-EB6C-805A-0F34068ADF1D}"/>
+                <a16:creationId xmlns:a16="http://schemas.microsoft.com/office/drawing/2014/main" id="{2EA3DECD-FD8F-A92E-43CB-66123DEE5B50}"/>
               </a:ext>
             </a:extLst>
           </p:cNvPr>
@@ -1792,7 +1792,7 @@
           <p:cNvPr id="7" name="日期占位符 6">
             <a:extLst>
               <a:ext uri="{FF2B5EF4-FFF2-40B4-BE49-F238E27FC236}">
-                <a16:creationId xmlns:a16="http://schemas.microsoft.com/office/drawing/2014/main" id="{25613A9D-F37A-2B68-D39D-0C7E9603CCEE}"/>
+                <a16:creationId xmlns:a16="http://schemas.microsoft.com/office/drawing/2014/main" id="{261AB2F7-5F14-4B63-6C5B-FAB4C6E6F902}"/>
               </a:ext>
             </a:extLst>
           </p:cNvPr>
@@ -1808,7 +1808,7 @@
           <a:bodyPr/>
           <a:lstStyle/>
           <a:p>
-            <a:fld id="{939CA971-129B-4295-9CA4-13837B64B52B}" type="datetimeFigureOut">
+            <a:fld id="{C9AAB8DE-C2C9-4E76-8373-B919E7CF5B96}" type="datetimeFigureOut">
               <a:rPr lang="zh-CN" altLang="en-US" smtClean="0"/>
               <a:t>2024/3/10</a:t>
             </a:fld>
@@ -1821,7 +1821,7 @@
           <p:cNvPr id="8" name="页脚占位符 7">
             <a:extLst>
               <a:ext uri="{FF2B5EF4-FFF2-40B4-BE49-F238E27FC236}">
-                <a16:creationId xmlns:a16="http://schemas.microsoft.com/office/drawing/2014/main" id="{58C6ACFA-F385-79C9-E9A7-9A1B32A06B3B}"/>
+                <a16:creationId xmlns:a16="http://schemas.microsoft.com/office/drawing/2014/main" id="{714AF6C0-2E5C-C257-54F3-7B4BC44E3670}"/>
               </a:ext>
             </a:extLst>
           </p:cNvPr>
@@ -1846,7 +1846,7 @@
           <p:cNvPr id="9" name="灯片编号占位符 8">
             <a:extLst>
               <a:ext uri="{FF2B5EF4-FFF2-40B4-BE49-F238E27FC236}">
-                <a16:creationId xmlns:a16="http://schemas.microsoft.com/office/drawing/2014/main" id="{F5620EBB-CCE8-8462-B6AC-FC8A31A2F7E7}"/>
+                <a16:creationId xmlns:a16="http://schemas.microsoft.com/office/drawing/2014/main" id="{300D7513-7A34-4674-3B5C-6C03CC24D8EB}"/>
               </a:ext>
             </a:extLst>
           </p:cNvPr>
@@ -1862,7 +1862,7 @@
           <a:bodyPr/>
           <a:lstStyle/>
           <a:p>
-            <a:fld id="{AD5463C8-7F4F-4C6A-AF27-96171EC4D30A}" type="slidenum">
+            <a:fld id="{7A91C2C2-B1E9-40D4-A9A1-E84B2B3674B7}" type="slidenum">
               <a:rPr lang="zh-CN" altLang="en-US" smtClean="0"/>
               <a:t>‹#›</a:t>
             </a:fld>
@@ -1873,7 +1873,7 @@
     </p:spTree>
     <p:extLst>
       <p:ext uri="{BB962C8B-B14F-4D97-AF65-F5344CB8AC3E}">
-        <p14:creationId xmlns:p14="http://schemas.microsoft.com/office/powerpoint/2010/main" val="3647652330"/>
+        <p14:creationId xmlns:p14="http://schemas.microsoft.com/office/powerpoint/2010/main" val="2946560324"/>
       </p:ext>
     </p:extLst>
   </p:cSld>
@@ -1905,7 +1905,7 @@
           <p:cNvPr id="2" name="标题 1">
             <a:extLst>
               <a:ext uri="{FF2B5EF4-FFF2-40B4-BE49-F238E27FC236}">
-                <a16:creationId xmlns:a16="http://schemas.microsoft.com/office/drawing/2014/main" id="{5411E57F-55CA-E1B3-8791-FE1E2E5890C8}"/>
+                <a16:creationId xmlns:a16="http://schemas.microsoft.com/office/drawing/2014/main" id="{DF9C726B-017E-D602-766A-AB9C6CDE01E8}"/>
               </a:ext>
             </a:extLst>
           </p:cNvPr>
@@ -1933,7 +1933,7 @@
           <p:cNvPr id="3" name="日期占位符 2">
             <a:extLst>
               <a:ext uri="{FF2B5EF4-FFF2-40B4-BE49-F238E27FC236}">
-                <a16:creationId xmlns:a16="http://schemas.microsoft.com/office/drawing/2014/main" id="{6C4C7A49-B548-BBC9-43DE-BBC578B50736}"/>
+                <a16:creationId xmlns:a16="http://schemas.microsoft.com/office/drawing/2014/main" id="{9758C700-36B6-8EFC-4074-FCE6AD057A64}"/>
               </a:ext>
             </a:extLst>
           </p:cNvPr>
@@ -1949,7 +1949,7 @@
           <a:bodyPr/>
           <a:lstStyle/>
           <a:p>
-            <a:fld id="{939CA971-129B-4295-9CA4-13837B64B52B}" type="datetimeFigureOut">
+            <a:fld id="{C9AAB8DE-C2C9-4E76-8373-B919E7CF5B96}" type="datetimeFigureOut">
               <a:rPr lang="zh-CN" altLang="en-US" smtClean="0"/>
               <a:t>2024/3/10</a:t>
             </a:fld>
@@ -1962,7 +1962,7 @@
           <p:cNvPr id="4" name="页脚占位符 3">
             <a:extLst>
               <a:ext uri="{FF2B5EF4-FFF2-40B4-BE49-F238E27FC236}">
-                <a16:creationId xmlns:a16="http://schemas.microsoft.com/office/drawing/2014/main" id="{07C4BB18-B8C0-2227-D6A2-DF61EFAB23EA}"/>
+                <a16:creationId xmlns:a16="http://schemas.microsoft.com/office/drawing/2014/main" id="{CFAF2130-F016-D9D0-61A5-6C9CE4BCF529}"/>
               </a:ext>
             </a:extLst>
           </p:cNvPr>
@@ -1987,7 +1987,7 @@
           <p:cNvPr id="5" name="灯片编号占位符 4">
             <a:extLst>
               <a:ext uri="{FF2B5EF4-FFF2-40B4-BE49-F238E27FC236}">
-                <a16:creationId xmlns:a16="http://schemas.microsoft.com/office/drawing/2014/main" id="{09FAE3E6-E5F9-D1CE-079B-29E1459C7F90}"/>
+                <a16:creationId xmlns:a16="http://schemas.microsoft.com/office/drawing/2014/main" id="{74F1B1A5-7239-1815-2C38-BCE9DEB3B983}"/>
               </a:ext>
             </a:extLst>
           </p:cNvPr>
@@ -2003,7 +2003,7 @@
           <a:bodyPr/>
           <a:lstStyle/>
           <a:p>
-            <a:fld id="{AD5463C8-7F4F-4C6A-AF27-96171EC4D30A}" type="slidenum">
+            <a:fld id="{7A91C2C2-B1E9-40D4-A9A1-E84B2B3674B7}" type="slidenum">
               <a:rPr lang="zh-CN" altLang="en-US" smtClean="0"/>
               <a:t>‹#›</a:t>
             </a:fld>
@@ -2014,7 +2014,7 @@
     </p:spTree>
     <p:extLst>
       <p:ext uri="{BB962C8B-B14F-4D97-AF65-F5344CB8AC3E}">
-        <p14:creationId xmlns:p14="http://schemas.microsoft.com/office/powerpoint/2010/main" val="2537234771"/>
+        <p14:creationId xmlns:p14="http://schemas.microsoft.com/office/powerpoint/2010/main" val="1700199353"/>
       </p:ext>
     </p:extLst>
   </p:cSld>
@@ -2046,7 +2046,7 @@
           <p:cNvPr id="2" name="日期占位符 1">
             <a:extLst>
               <a:ext uri="{FF2B5EF4-FFF2-40B4-BE49-F238E27FC236}">
-                <a16:creationId xmlns:a16="http://schemas.microsoft.com/office/drawing/2014/main" id="{2A190EF5-C363-AABB-7B99-62125E3FF37D}"/>
+                <a16:creationId xmlns:a16="http://schemas.microsoft.com/office/drawing/2014/main" id="{9ED39DC8-03D0-ABBE-5DE7-8BFD36440F9F}"/>
               </a:ext>
             </a:extLst>
           </p:cNvPr>
@@ -2062,7 +2062,7 @@
           <a:bodyPr/>
           <a:lstStyle/>
           <a:p>
-            <a:fld id="{939CA971-129B-4295-9CA4-13837B64B52B}" type="datetimeFigureOut">
+            <a:fld id="{C9AAB8DE-C2C9-4E76-8373-B919E7CF5B96}" type="datetimeFigureOut">
               <a:rPr lang="zh-CN" altLang="en-US" smtClean="0"/>
               <a:t>2024/3/10</a:t>
             </a:fld>
@@ -2075,7 +2075,7 @@
           <p:cNvPr id="3" name="页脚占位符 2">
             <a:extLst>
               <a:ext uri="{FF2B5EF4-FFF2-40B4-BE49-F238E27FC236}">
-                <a16:creationId xmlns:a16="http://schemas.microsoft.com/office/drawing/2014/main" id="{49B77984-A9F0-965B-ACFA-CA6FE5CE68C4}"/>
+                <a16:creationId xmlns:a16="http://schemas.microsoft.com/office/drawing/2014/main" id="{D71A9BE9-0ECE-C2E5-D309-332F8F6E9994}"/>
               </a:ext>
             </a:extLst>
           </p:cNvPr>
@@ -2100,7 +2100,7 @@
           <p:cNvPr id="4" name="灯片编号占位符 3">
             <a:extLst>
               <a:ext uri="{FF2B5EF4-FFF2-40B4-BE49-F238E27FC236}">
-                <a16:creationId xmlns:a16="http://schemas.microsoft.com/office/drawing/2014/main" id="{1EDA2FED-56CB-1309-10E1-323052620B23}"/>
+                <a16:creationId xmlns:a16="http://schemas.microsoft.com/office/drawing/2014/main" id="{4E335BBF-EB9F-907E-EC3E-DD110D548CA1}"/>
               </a:ext>
             </a:extLst>
           </p:cNvPr>
@@ -2116,7 +2116,7 @@
           <a:bodyPr/>
           <a:lstStyle/>
           <a:p>
-            <a:fld id="{AD5463C8-7F4F-4C6A-AF27-96171EC4D30A}" type="slidenum">
+            <a:fld id="{7A91C2C2-B1E9-40D4-A9A1-E84B2B3674B7}" type="slidenum">
               <a:rPr lang="zh-CN" altLang="en-US" smtClean="0"/>
               <a:t>‹#›</a:t>
             </a:fld>
@@ -2127,7 +2127,7 @@
     </p:spTree>
     <p:extLst>
       <p:ext uri="{BB962C8B-B14F-4D97-AF65-F5344CB8AC3E}">
-        <p14:creationId xmlns:p14="http://schemas.microsoft.com/office/powerpoint/2010/main" val="3689903684"/>
+        <p14:creationId xmlns:p14="http://schemas.microsoft.com/office/powerpoint/2010/main" val="590503008"/>
       </p:ext>
     </p:extLst>
   </p:cSld>
@@ -2159,7 +2159,7 @@
           <p:cNvPr id="2" name="标题 1">
             <a:extLst>
               <a:ext uri="{FF2B5EF4-FFF2-40B4-BE49-F238E27FC236}">
-                <a16:creationId xmlns:a16="http://schemas.microsoft.com/office/drawing/2014/main" id="{34992E32-A363-FFFA-9892-6C8C48DA602B}"/>
+                <a16:creationId xmlns:a16="http://schemas.microsoft.com/office/drawing/2014/main" id="{8F3DA260-3E81-EEBC-6342-3C91AF753AB4}"/>
               </a:ext>
             </a:extLst>
           </p:cNvPr>
@@ -2196,7 +2196,7 @@
           <p:cNvPr id="3" name="内容占位符 2">
             <a:extLst>
               <a:ext uri="{FF2B5EF4-FFF2-40B4-BE49-F238E27FC236}">
-                <a16:creationId xmlns:a16="http://schemas.microsoft.com/office/drawing/2014/main" id="{7BD62B13-1F3C-D4AC-32F0-BD23AA4151FA}"/>
+                <a16:creationId xmlns:a16="http://schemas.microsoft.com/office/drawing/2014/main" id="{488BFF81-CABF-01AF-5075-4F15341D4A44}"/>
               </a:ext>
             </a:extLst>
           </p:cNvPr>
@@ -2286,7 +2286,7 @@
           <p:cNvPr id="4" name="文本占位符 3">
             <a:extLst>
               <a:ext uri="{FF2B5EF4-FFF2-40B4-BE49-F238E27FC236}">
-                <a16:creationId xmlns:a16="http://schemas.microsoft.com/office/drawing/2014/main" id="{2A8C3BBE-8C1B-6D07-D9D5-A480C0B28A16}"/>
+                <a16:creationId xmlns:a16="http://schemas.microsoft.com/office/drawing/2014/main" id="{34144092-6C96-4BA0-7C7A-8EE49C22CE4E}"/>
               </a:ext>
             </a:extLst>
           </p:cNvPr>
@@ -2357,7 +2357,7 @@
           <p:cNvPr id="5" name="日期占位符 4">
             <a:extLst>
               <a:ext uri="{FF2B5EF4-FFF2-40B4-BE49-F238E27FC236}">
-                <a16:creationId xmlns:a16="http://schemas.microsoft.com/office/drawing/2014/main" id="{C42F775C-3204-55C2-F2C5-8A1D19921764}"/>
+                <a16:creationId xmlns:a16="http://schemas.microsoft.com/office/drawing/2014/main" id="{7B96F20E-04F1-4187-C07B-2946688ED13D}"/>
               </a:ext>
             </a:extLst>
           </p:cNvPr>
@@ -2373,7 +2373,7 @@
           <a:bodyPr/>
           <a:lstStyle/>
           <a:p>
-            <a:fld id="{939CA971-129B-4295-9CA4-13837B64B52B}" type="datetimeFigureOut">
+            <a:fld id="{C9AAB8DE-C2C9-4E76-8373-B919E7CF5B96}" type="datetimeFigureOut">
               <a:rPr lang="zh-CN" altLang="en-US" smtClean="0"/>
               <a:t>2024/3/10</a:t>
             </a:fld>
@@ -2386,7 +2386,7 @@
           <p:cNvPr id="6" name="页脚占位符 5">
             <a:extLst>
               <a:ext uri="{FF2B5EF4-FFF2-40B4-BE49-F238E27FC236}">
-                <a16:creationId xmlns:a16="http://schemas.microsoft.com/office/drawing/2014/main" id="{B986DB2C-A6E2-4014-8665-1049A064113E}"/>
+                <a16:creationId xmlns:a16="http://schemas.microsoft.com/office/drawing/2014/main" id="{3F9392B6-B058-52AD-BC88-9EE14C4C1D56}"/>
               </a:ext>
             </a:extLst>
           </p:cNvPr>
@@ -2411,7 +2411,7 @@
           <p:cNvPr id="7" name="灯片编号占位符 6">
             <a:extLst>
               <a:ext uri="{FF2B5EF4-FFF2-40B4-BE49-F238E27FC236}">
-                <a16:creationId xmlns:a16="http://schemas.microsoft.com/office/drawing/2014/main" id="{5D84A80D-3BEA-B874-D0E9-482DD6B8F9D8}"/>
+                <a16:creationId xmlns:a16="http://schemas.microsoft.com/office/drawing/2014/main" id="{9C6D8831-5726-FC3D-DFDC-E3E918D4D920}"/>
               </a:ext>
             </a:extLst>
           </p:cNvPr>
@@ -2427,7 +2427,7 @@
           <a:bodyPr/>
           <a:lstStyle/>
           <a:p>
-            <a:fld id="{AD5463C8-7F4F-4C6A-AF27-96171EC4D30A}" type="slidenum">
+            <a:fld id="{7A91C2C2-B1E9-40D4-A9A1-E84B2B3674B7}" type="slidenum">
               <a:rPr lang="zh-CN" altLang="en-US" smtClean="0"/>
               <a:t>‹#›</a:t>
             </a:fld>
@@ -2438,7 +2438,7 @@
     </p:spTree>
     <p:extLst>
       <p:ext uri="{BB962C8B-B14F-4D97-AF65-F5344CB8AC3E}">
-        <p14:creationId xmlns:p14="http://schemas.microsoft.com/office/powerpoint/2010/main" val="579032894"/>
+        <p14:creationId xmlns:p14="http://schemas.microsoft.com/office/powerpoint/2010/main" val="1250904452"/>
       </p:ext>
     </p:extLst>
   </p:cSld>
@@ -2470,7 +2470,7 @@
           <p:cNvPr id="2" name="标题 1">
             <a:extLst>
               <a:ext uri="{FF2B5EF4-FFF2-40B4-BE49-F238E27FC236}">
-                <a16:creationId xmlns:a16="http://schemas.microsoft.com/office/drawing/2014/main" id="{AD301629-1247-547B-8CA0-47904D88D0CB}"/>
+                <a16:creationId xmlns:a16="http://schemas.microsoft.com/office/drawing/2014/main" id="{260014D5-4B5C-03E3-60DE-548EBE8BBCC3}"/>
               </a:ext>
             </a:extLst>
           </p:cNvPr>
@@ -2507,7 +2507,7 @@
           <p:cNvPr id="3" name="图片占位符 2">
             <a:extLst>
               <a:ext uri="{FF2B5EF4-FFF2-40B4-BE49-F238E27FC236}">
-                <a16:creationId xmlns:a16="http://schemas.microsoft.com/office/drawing/2014/main" id="{95F5E5C2-9894-EFC0-284B-2C8B8CAA0B9C}"/>
+                <a16:creationId xmlns:a16="http://schemas.microsoft.com/office/drawing/2014/main" id="{520EC438-AEF2-5CCA-969C-2F50E57D1538}"/>
               </a:ext>
             </a:extLst>
           </p:cNvPr>
@@ -2574,7 +2574,7 @@
           <p:cNvPr id="4" name="文本占位符 3">
             <a:extLst>
               <a:ext uri="{FF2B5EF4-FFF2-40B4-BE49-F238E27FC236}">
-                <a16:creationId xmlns:a16="http://schemas.microsoft.com/office/drawing/2014/main" id="{D8C8C04A-70E2-8542-A0E4-D72C8136EE5E}"/>
+                <a16:creationId xmlns:a16="http://schemas.microsoft.com/office/drawing/2014/main" id="{B3DFF0E0-C86D-7C0B-5BF1-B4517548CD31}"/>
               </a:ext>
             </a:extLst>
           </p:cNvPr>
@@ -2645,7 +2645,7 @@
           <p:cNvPr id="5" name="日期占位符 4">
             <a:extLst>
               <a:ext uri="{FF2B5EF4-FFF2-40B4-BE49-F238E27FC236}">
-                <a16:creationId xmlns:a16="http://schemas.microsoft.com/office/drawing/2014/main" id="{0D8EC3FB-36C3-F598-4B8D-758726A2A51D}"/>
+                <a16:creationId xmlns:a16="http://schemas.microsoft.com/office/drawing/2014/main" id="{BF323546-2CAF-FF79-BB05-442B9979DFB2}"/>
               </a:ext>
             </a:extLst>
           </p:cNvPr>
@@ -2661,7 +2661,7 @@
           <a:bodyPr/>
           <a:lstStyle/>
           <a:p>
-            <a:fld id="{939CA971-129B-4295-9CA4-13837B64B52B}" type="datetimeFigureOut">
+            <a:fld id="{C9AAB8DE-C2C9-4E76-8373-B919E7CF5B96}" type="datetimeFigureOut">
               <a:rPr lang="zh-CN" altLang="en-US" smtClean="0"/>
               <a:t>2024/3/10</a:t>
             </a:fld>
@@ -2674,7 +2674,7 @@
           <p:cNvPr id="6" name="页脚占位符 5">
             <a:extLst>
               <a:ext uri="{FF2B5EF4-FFF2-40B4-BE49-F238E27FC236}">
-                <a16:creationId xmlns:a16="http://schemas.microsoft.com/office/drawing/2014/main" id="{61B035DF-B077-6C1E-3F1C-7858CB2458BF}"/>
+                <a16:creationId xmlns:a16="http://schemas.microsoft.com/office/drawing/2014/main" id="{F00E2B60-E41B-371C-4D48-48F86073A990}"/>
               </a:ext>
             </a:extLst>
           </p:cNvPr>
@@ -2699,7 +2699,7 @@
           <p:cNvPr id="7" name="灯片编号占位符 6">
             <a:extLst>
               <a:ext uri="{FF2B5EF4-FFF2-40B4-BE49-F238E27FC236}">
-                <a16:creationId xmlns:a16="http://schemas.microsoft.com/office/drawing/2014/main" id="{16D14A24-4F52-6142-0A4D-3ECCFDABD4CD}"/>
+                <a16:creationId xmlns:a16="http://schemas.microsoft.com/office/drawing/2014/main" id="{4DC1C835-7143-8F27-F2FF-412282BF6E9C}"/>
               </a:ext>
             </a:extLst>
           </p:cNvPr>
@@ -2715,7 +2715,7 @@
           <a:bodyPr/>
           <a:lstStyle/>
           <a:p>
-            <a:fld id="{AD5463C8-7F4F-4C6A-AF27-96171EC4D30A}" type="slidenum">
+            <a:fld id="{7A91C2C2-B1E9-40D4-A9A1-E84B2B3674B7}" type="slidenum">
               <a:rPr lang="zh-CN" altLang="en-US" smtClean="0"/>
               <a:t>‹#›</a:t>
             </a:fld>
@@ -2726,7 +2726,7 @@
     </p:spTree>
     <p:extLst>
       <p:ext uri="{BB962C8B-B14F-4D97-AF65-F5344CB8AC3E}">
-        <p14:creationId xmlns:p14="http://schemas.microsoft.com/office/powerpoint/2010/main" val="1153532902"/>
+        <p14:creationId xmlns:p14="http://schemas.microsoft.com/office/powerpoint/2010/main" val="1381993159"/>
       </p:ext>
     </p:extLst>
   </p:cSld>
@@ -2763,7 +2763,7 @@
           <p:cNvPr id="2" name="标题占位符 1">
             <a:extLst>
               <a:ext uri="{FF2B5EF4-FFF2-40B4-BE49-F238E27FC236}">
-                <a16:creationId xmlns:a16="http://schemas.microsoft.com/office/drawing/2014/main" id="{15F73B4D-B498-1E46-9802-5D762B87993F}"/>
+                <a16:creationId xmlns:a16="http://schemas.microsoft.com/office/drawing/2014/main" id="{110C53AB-FE6E-BB64-B766-7B73282C79A8}"/>
               </a:ext>
             </a:extLst>
           </p:cNvPr>
@@ -2801,7 +2801,7 @@
           <p:cNvPr id="3" name="文本占位符 2">
             <a:extLst>
               <a:ext uri="{FF2B5EF4-FFF2-40B4-BE49-F238E27FC236}">
-                <a16:creationId xmlns:a16="http://schemas.microsoft.com/office/drawing/2014/main" id="{923D3156-176A-E8E3-D627-6F1129894983}"/>
+                <a16:creationId xmlns:a16="http://schemas.microsoft.com/office/drawing/2014/main" id="{D59F94EA-1BC6-26DF-932A-012E2255CF38}"/>
               </a:ext>
             </a:extLst>
           </p:cNvPr>
@@ -2868,7 +2868,7 @@
           <p:cNvPr id="4" name="日期占位符 3">
             <a:extLst>
               <a:ext uri="{FF2B5EF4-FFF2-40B4-BE49-F238E27FC236}">
-                <a16:creationId xmlns:a16="http://schemas.microsoft.com/office/drawing/2014/main" id="{D8851E68-42CD-826A-BDD8-CEDCF754CFC8}"/>
+                <a16:creationId xmlns:a16="http://schemas.microsoft.com/office/drawing/2014/main" id="{3946F7F0-1403-0BDC-6A59-064A6B82CF13}"/>
               </a:ext>
             </a:extLst>
           </p:cNvPr>
@@ -2902,7 +2902,7 @@
             </a:lvl1pPr>
           </a:lstStyle>
           <a:p>
-            <a:fld id="{939CA971-129B-4295-9CA4-13837B64B52B}" type="datetimeFigureOut">
+            <a:fld id="{C9AAB8DE-C2C9-4E76-8373-B919E7CF5B96}" type="datetimeFigureOut">
               <a:rPr lang="zh-CN" altLang="en-US" smtClean="0"/>
               <a:t>2024/3/10</a:t>
             </a:fld>
@@ -2915,7 +2915,7 @@
           <p:cNvPr id="5" name="页脚占位符 4">
             <a:extLst>
               <a:ext uri="{FF2B5EF4-FFF2-40B4-BE49-F238E27FC236}">
-                <a16:creationId xmlns:a16="http://schemas.microsoft.com/office/drawing/2014/main" id="{AAAAFE82-DACC-59D3-39B8-F65CDB17C226}"/>
+                <a16:creationId xmlns:a16="http://schemas.microsoft.com/office/drawing/2014/main" id="{3607133F-C87E-F548-ADDD-2CD45206DD17}"/>
               </a:ext>
             </a:extLst>
           </p:cNvPr>
@@ -2958,7 +2958,7 @@
           <p:cNvPr id="6" name="灯片编号占位符 5">
             <a:extLst>
               <a:ext uri="{FF2B5EF4-FFF2-40B4-BE49-F238E27FC236}">
-                <a16:creationId xmlns:a16="http://schemas.microsoft.com/office/drawing/2014/main" id="{10493759-13DF-F3E1-874B-D977196F09F8}"/>
+                <a16:creationId xmlns:a16="http://schemas.microsoft.com/office/drawing/2014/main" id="{CB296E60-EBC5-C3E5-F41D-6D8C83917970}"/>
               </a:ext>
             </a:extLst>
           </p:cNvPr>
@@ -2992,7 +2992,7 @@
             </a:lvl1pPr>
           </a:lstStyle>
           <a:p>
-            <a:fld id="{AD5463C8-7F4F-4C6A-AF27-96171EC4D30A}" type="slidenum">
+            <a:fld id="{7A91C2C2-B1E9-40D4-A9A1-E84B2B3674B7}" type="slidenum">
               <a:rPr lang="zh-CN" altLang="en-US" smtClean="0"/>
               <a:t>‹#›</a:t>
             </a:fld>
@@ -3003,7 +3003,7 @@
     </p:spTree>
     <p:extLst>
       <p:ext uri="{BB962C8B-B14F-4D97-AF65-F5344CB8AC3E}">
-        <p14:creationId xmlns:p14="http://schemas.microsoft.com/office/powerpoint/2010/main" val="3322129897"/>
+        <p14:creationId xmlns:p14="http://schemas.microsoft.com/office/powerpoint/2010/main" val="15149"/>
       </p:ext>
     </p:extLst>
   </p:cSld>
@@ -3323,7 +3323,7 @@
       </p:grpSpPr>
       <p:pic>
         <p:nvPicPr>
-          <p:cNvPr id="990210" name="Picture 2" descr="966"/>
+          <p:cNvPr id="991234" name="Picture 2" descr="967"/>
           <p:cNvPicPr>
             <a:picLocks noChangeAspect="1" noChangeArrowheads="1"/>
           </p:cNvPicPr>
@@ -3377,7 +3377,7 @@
       </p:pic>
       <p:pic>
         <p:nvPicPr>
-          <p:cNvPr id="991235" name="Picture 3" descr="966-2"/>
+          <p:cNvPr id="992259" name="Picture 3" descr="967-2"/>
           <p:cNvPicPr>
             <a:picLocks noChangeAspect="1" noChangeArrowheads="1"/>
           </p:cNvPicPr>
@@ -3398,7 +3398,7 @@
         </p:blipFill>
         <p:spPr bwMode="auto">
           <a:xfrm>
-            <a:off x="1524000" y="0"/>
+            <a:off x="1524000" y="44450"/>
             <a:ext cx="9144000" cy="6858000"/>
           </a:xfrm>
           <a:prstGeom prst="rect">
@@ -3478,7 +3478,7 @@
                                           </p:stCondLst>
                                         </p:cTn>
                                         <p:tgtEl>
-                                          <p:spTgt spid="991235"/>
+                                          <p:spTgt spid="992259"/>
                                         </p:tgtEl>
                                         <p:attrNameLst>
                                           <p:attrName>style.visibility</p:attrName>
@@ -3492,7 +3492,7 @@
                                       <p:cBhvr>
                                         <p:cTn id="7" dur="500"/>
                                         <p:tgtEl>
-                                          <p:spTgt spid="991235"/>
+                                          <p:spTgt spid="992259"/>
                                         </p:tgtEl>
                                       </p:cBhvr>
                                     </p:animEffect>
